--- a/presentation_fr_coinche.pptx
+++ b/presentation_fr_coinche.pptx
@@ -21,6 +21,7 @@
     <p:sldId id="271" r:id="rId15"/>
     <p:sldId id="264" r:id="rId16"/>
     <p:sldId id="263" r:id="rId17"/>
+    <p:sldId id="272" r:id="rId18"/>
   </p:sldIdLst>
   <p:sldSz cx="12192000" cy="6858000"/>
   <p:notesSz cx="6858000" cy="9144000"/>
@@ -119,6 +120,11 @@
       </a:defRPr>
     </a:lvl9pPr>
   </p:defaultTextStyle>
+  <p:extLst>
+    <p:ext uri="{EFAFB233-063F-42B5-8137-9DF3F51BA10A}">
+      <p15:sldGuideLst xmlns:p15="http://schemas.microsoft.com/office/powerpoint/2012/main"/>
+    </p:ext>
+  </p:extLst>
 </p:presentation>
 </file>
 
@@ -2780,18 +2786,46 @@
         </dgm:presLayoutVars>
       </dgm:prSet>
       <dgm:spPr/>
+      <dgm:t>
+        <a:bodyPr/>
+        <a:lstStyle/>
+        <a:p>
+          <a:endParaRPr lang="fr-FR"/>
+        </a:p>
+      </dgm:t>
     </dgm:pt>
     <dgm:pt modelId="{BEE935CA-87D5-B240-B9CB-446AB2A50D8A}" type="pres">
       <dgm:prSet presAssocID="{5C1310C4-B793-2B49-83DE-0F7F05A56702}" presName="centerShape" presStyleLbl="node0" presStyleIdx="0" presStyleCnt="1"/>
       <dgm:spPr/>
+      <dgm:t>
+        <a:bodyPr/>
+        <a:lstStyle/>
+        <a:p>
+          <a:endParaRPr lang="fr-FR"/>
+        </a:p>
+      </dgm:t>
     </dgm:pt>
     <dgm:pt modelId="{04A8224E-1C9E-4846-BA4C-FD4210F3533A}" type="pres">
       <dgm:prSet presAssocID="{B5D03180-2F1C-6F46-9C56-980C056C5C1E}" presName="Name9" presStyleLbl="parChTrans1D2" presStyleIdx="0" presStyleCnt="4"/>
       <dgm:spPr/>
+      <dgm:t>
+        <a:bodyPr/>
+        <a:lstStyle/>
+        <a:p>
+          <a:endParaRPr lang="fr-FR"/>
+        </a:p>
+      </dgm:t>
     </dgm:pt>
     <dgm:pt modelId="{0D29B017-F935-4943-B419-BE9151107713}" type="pres">
       <dgm:prSet presAssocID="{B5D03180-2F1C-6F46-9C56-980C056C5C1E}" presName="connTx" presStyleLbl="parChTrans1D2" presStyleIdx="0" presStyleCnt="4"/>
       <dgm:spPr/>
+      <dgm:t>
+        <a:bodyPr/>
+        <a:lstStyle/>
+        <a:p>
+          <a:endParaRPr lang="fr-FR"/>
+        </a:p>
+      </dgm:t>
     </dgm:pt>
     <dgm:pt modelId="{B755A23B-3906-EE4A-ABD5-1D4F140B7AF2}" type="pres">
       <dgm:prSet presAssocID="{8693AEC3-7930-6340-A221-B9D4EA082C09}" presName="node" presStyleLbl="node1" presStyleIdx="0" presStyleCnt="4">
@@ -2811,10 +2845,24 @@
     <dgm:pt modelId="{A56A8159-37E6-7F43-83FB-E670E7470CE1}" type="pres">
       <dgm:prSet presAssocID="{CA379BDC-88A5-A54D-93D3-6BD2F6DA4150}" presName="Name9" presStyleLbl="parChTrans1D2" presStyleIdx="1" presStyleCnt="4"/>
       <dgm:spPr/>
+      <dgm:t>
+        <a:bodyPr/>
+        <a:lstStyle/>
+        <a:p>
+          <a:endParaRPr lang="fr-FR"/>
+        </a:p>
+      </dgm:t>
     </dgm:pt>
     <dgm:pt modelId="{85109E09-4E29-4447-B1C5-D13ECF6C8EA6}" type="pres">
       <dgm:prSet presAssocID="{CA379BDC-88A5-A54D-93D3-6BD2F6DA4150}" presName="connTx" presStyleLbl="parChTrans1D2" presStyleIdx="1" presStyleCnt="4"/>
       <dgm:spPr/>
+      <dgm:t>
+        <a:bodyPr/>
+        <a:lstStyle/>
+        <a:p>
+          <a:endParaRPr lang="fr-FR"/>
+        </a:p>
+      </dgm:t>
     </dgm:pt>
     <dgm:pt modelId="{9C44A59B-28AC-554A-ABE7-0D59E4932F16}" type="pres">
       <dgm:prSet presAssocID="{D1FECA47-A63C-4040-9D1F-D34D3C67A466}" presName="node" presStyleLbl="node1" presStyleIdx="1" presStyleCnt="4">
@@ -2823,14 +2871,35 @@
         </dgm:presLayoutVars>
       </dgm:prSet>
       <dgm:spPr/>
+      <dgm:t>
+        <a:bodyPr/>
+        <a:lstStyle/>
+        <a:p>
+          <a:endParaRPr lang="fr-FR"/>
+        </a:p>
+      </dgm:t>
     </dgm:pt>
     <dgm:pt modelId="{D740B11F-3BFD-9740-B6A2-BD38A6EC3A63}" type="pres">
       <dgm:prSet presAssocID="{1D7F1B5E-9231-F945-A786-68FFF5A574F7}" presName="Name9" presStyleLbl="parChTrans1D2" presStyleIdx="2" presStyleCnt="4"/>
       <dgm:spPr/>
+      <dgm:t>
+        <a:bodyPr/>
+        <a:lstStyle/>
+        <a:p>
+          <a:endParaRPr lang="fr-FR"/>
+        </a:p>
+      </dgm:t>
     </dgm:pt>
     <dgm:pt modelId="{7A802728-CBA0-3849-831D-58476EC3E1A2}" type="pres">
       <dgm:prSet presAssocID="{1D7F1B5E-9231-F945-A786-68FFF5A574F7}" presName="connTx" presStyleLbl="parChTrans1D2" presStyleIdx="2" presStyleCnt="4"/>
       <dgm:spPr/>
+      <dgm:t>
+        <a:bodyPr/>
+        <a:lstStyle/>
+        <a:p>
+          <a:endParaRPr lang="fr-FR"/>
+        </a:p>
+      </dgm:t>
     </dgm:pt>
     <dgm:pt modelId="{A0358EE9-9140-6149-A195-D7E4B9565BB9}" type="pres">
       <dgm:prSet presAssocID="{EF2E5B0A-0F38-0248-AF01-12E904F2BBCD}" presName="node" presStyleLbl="node1" presStyleIdx="2" presStyleCnt="4">
@@ -2839,14 +2908,35 @@
         </dgm:presLayoutVars>
       </dgm:prSet>
       <dgm:spPr/>
+      <dgm:t>
+        <a:bodyPr/>
+        <a:lstStyle/>
+        <a:p>
+          <a:endParaRPr lang="fr-FR"/>
+        </a:p>
+      </dgm:t>
     </dgm:pt>
     <dgm:pt modelId="{0E1FD702-FA1F-5942-9367-40712A2A05A6}" type="pres">
       <dgm:prSet presAssocID="{5EB978BD-72F4-4248-B6FF-3884491ED28E}" presName="Name9" presStyleLbl="parChTrans1D2" presStyleIdx="3" presStyleCnt="4"/>
       <dgm:spPr/>
+      <dgm:t>
+        <a:bodyPr/>
+        <a:lstStyle/>
+        <a:p>
+          <a:endParaRPr lang="fr-FR"/>
+        </a:p>
+      </dgm:t>
     </dgm:pt>
     <dgm:pt modelId="{843D2234-0E6A-9040-B82A-E0EA25781909}" type="pres">
       <dgm:prSet presAssocID="{5EB978BD-72F4-4248-B6FF-3884491ED28E}" presName="connTx" presStyleLbl="parChTrans1D2" presStyleIdx="3" presStyleCnt="4"/>
       <dgm:spPr/>
+      <dgm:t>
+        <a:bodyPr/>
+        <a:lstStyle/>
+        <a:p>
+          <a:endParaRPr lang="fr-FR"/>
+        </a:p>
+      </dgm:t>
     </dgm:pt>
     <dgm:pt modelId="{42248CA7-1E3A-8543-B7EC-C90BEC73152F}" type="pres">
       <dgm:prSet presAssocID="{CC75F6DB-6A6D-4940-A166-AF60F9F6428E}" presName="node" presStyleLbl="node1" presStyleIdx="3" presStyleCnt="4">
@@ -2872,12 +2962,12 @@
     <dgm:cxn modelId="{0D7C53AC-E5B1-1349-908D-45AFB65DB3C0}" type="presOf" srcId="{5EB978BD-72F4-4248-B6FF-3884491ED28E}" destId="{0E1FD702-FA1F-5942-9367-40712A2A05A6}" srcOrd="0" destOrd="0" presId="urn:microsoft.com/office/officeart/2005/8/layout/radial1"/>
     <dgm:cxn modelId="{44335EF2-18FE-2F4D-B390-F45D86FD5D5E}" srcId="{5C1310C4-B793-2B49-83DE-0F7F05A56702}" destId="{CC75F6DB-6A6D-4940-A166-AF60F9F6428E}" srcOrd="3" destOrd="0" parTransId="{5EB978BD-72F4-4248-B6FF-3884491ED28E}" sibTransId="{193E172A-9788-974A-AE49-40CB2C9884E8}"/>
     <dgm:cxn modelId="{CA91FB5B-C157-8649-BDD2-9899D2734F2E}" type="presOf" srcId="{B5D03180-2F1C-6F46-9C56-980C056C5C1E}" destId="{0D29B017-F935-4943-B419-BE9151107713}" srcOrd="1" destOrd="0" presId="urn:microsoft.com/office/officeart/2005/8/layout/radial1"/>
+    <dgm:cxn modelId="{61D195AD-CB6F-0F4A-AE09-3C3D01951873}" type="presOf" srcId="{B4A9EC12-FF34-454C-8EF5-F5A022D02397}" destId="{99D30FDB-DD7C-AA4A-9420-DCBA1A368B0D}" srcOrd="0" destOrd="0" presId="urn:microsoft.com/office/officeart/2005/8/layout/radial1"/>
     <dgm:cxn modelId="{4FF024C3-E03E-9D4E-98DE-A52CBA76F0DF}" srcId="{5C1310C4-B793-2B49-83DE-0F7F05A56702}" destId="{EF2E5B0A-0F38-0248-AF01-12E904F2BBCD}" srcOrd="2" destOrd="0" parTransId="{1D7F1B5E-9231-F945-A786-68FFF5A574F7}" sibTransId="{9F06CDD5-B982-364B-984B-F5BF80960963}"/>
-    <dgm:cxn modelId="{61D195AD-CB6F-0F4A-AE09-3C3D01951873}" type="presOf" srcId="{B4A9EC12-FF34-454C-8EF5-F5A022D02397}" destId="{99D30FDB-DD7C-AA4A-9420-DCBA1A368B0D}" srcOrd="0" destOrd="0" presId="urn:microsoft.com/office/officeart/2005/8/layout/radial1"/>
     <dgm:cxn modelId="{24A26957-0DA7-0D4E-A515-16E95E32E88D}" type="presOf" srcId="{EF2E5B0A-0F38-0248-AF01-12E904F2BBCD}" destId="{A0358EE9-9140-6149-A195-D7E4B9565BB9}" srcOrd="0" destOrd="0" presId="urn:microsoft.com/office/officeart/2005/8/layout/radial1"/>
     <dgm:cxn modelId="{D9AC8CE9-E1E4-AC46-A2D2-17ECDB4F18B2}" type="presOf" srcId="{5EB978BD-72F4-4248-B6FF-3884491ED28E}" destId="{843D2234-0E6A-9040-B82A-E0EA25781909}" srcOrd="1" destOrd="0" presId="urn:microsoft.com/office/officeart/2005/8/layout/radial1"/>
+    <dgm:cxn modelId="{1D9D06C9-4E21-7040-8C87-C2B0938974EA}" type="presOf" srcId="{CC75F6DB-6A6D-4940-A166-AF60F9F6428E}" destId="{42248CA7-1E3A-8543-B7EC-C90BEC73152F}" srcOrd="0" destOrd="0" presId="urn:microsoft.com/office/officeart/2005/8/layout/radial1"/>
     <dgm:cxn modelId="{98D3CB74-0DD8-6B44-8C3F-3D3ED3FFEA78}" type="presOf" srcId="{8693AEC3-7930-6340-A221-B9D4EA082C09}" destId="{B755A23B-3906-EE4A-ABD5-1D4F140B7AF2}" srcOrd="0" destOrd="0" presId="urn:microsoft.com/office/officeart/2005/8/layout/radial1"/>
-    <dgm:cxn modelId="{1D9D06C9-4E21-7040-8C87-C2B0938974EA}" type="presOf" srcId="{CC75F6DB-6A6D-4940-A166-AF60F9F6428E}" destId="{42248CA7-1E3A-8543-B7EC-C90BEC73152F}" srcOrd="0" destOrd="0" presId="urn:microsoft.com/office/officeart/2005/8/layout/radial1"/>
     <dgm:cxn modelId="{9F958A26-4ABB-DF4D-AB2C-D30E412887A5}" type="presOf" srcId="{1D7F1B5E-9231-F945-A786-68FFF5A574F7}" destId="{7A802728-CBA0-3849-831D-58476EC3E1A2}" srcOrd="1" destOrd="0" presId="urn:microsoft.com/office/officeart/2005/8/layout/radial1"/>
     <dgm:cxn modelId="{6CFBD799-0FC0-5746-880F-1E3E7B407454}" srcId="{5C1310C4-B793-2B49-83DE-0F7F05A56702}" destId="{8693AEC3-7930-6340-A221-B9D4EA082C09}" srcOrd="0" destOrd="0" parTransId="{B5D03180-2F1C-6F46-9C56-980C056C5C1E}" sibTransId="{818F045B-ECE3-984E-BF4E-ECB8A6A011E5}"/>
     <dgm:cxn modelId="{206424B4-ED03-4444-BB59-EA0A07E27C0F}" type="presOf" srcId="{CA379BDC-88A5-A54D-93D3-6BD2F6DA4150}" destId="{A56A8159-37E6-7F43-83FB-E670E7470CE1}" srcOrd="0" destOrd="0" presId="urn:microsoft.com/office/officeart/2005/8/layout/radial1"/>
@@ -3141,18 +3231,46 @@
         </dgm:presLayoutVars>
       </dgm:prSet>
       <dgm:spPr/>
+      <dgm:t>
+        <a:bodyPr/>
+        <a:lstStyle/>
+        <a:p>
+          <a:endParaRPr lang="fr-FR"/>
+        </a:p>
+      </dgm:t>
     </dgm:pt>
     <dgm:pt modelId="{BEE935CA-87D5-B240-B9CB-446AB2A50D8A}" type="pres">
       <dgm:prSet presAssocID="{5C1310C4-B793-2B49-83DE-0F7F05A56702}" presName="centerShape" presStyleLbl="node0" presStyleIdx="0" presStyleCnt="1"/>
       <dgm:spPr/>
+      <dgm:t>
+        <a:bodyPr/>
+        <a:lstStyle/>
+        <a:p>
+          <a:endParaRPr lang="fr-FR"/>
+        </a:p>
+      </dgm:t>
     </dgm:pt>
     <dgm:pt modelId="{04A8224E-1C9E-4846-BA4C-FD4210F3533A}" type="pres">
       <dgm:prSet presAssocID="{B5D03180-2F1C-6F46-9C56-980C056C5C1E}" presName="Name9" presStyleLbl="parChTrans1D2" presStyleIdx="0" presStyleCnt="4"/>
       <dgm:spPr/>
+      <dgm:t>
+        <a:bodyPr/>
+        <a:lstStyle/>
+        <a:p>
+          <a:endParaRPr lang="fr-FR"/>
+        </a:p>
+      </dgm:t>
     </dgm:pt>
     <dgm:pt modelId="{0D29B017-F935-4943-B419-BE9151107713}" type="pres">
       <dgm:prSet presAssocID="{B5D03180-2F1C-6F46-9C56-980C056C5C1E}" presName="connTx" presStyleLbl="parChTrans1D2" presStyleIdx="0" presStyleCnt="4"/>
       <dgm:spPr/>
+      <dgm:t>
+        <a:bodyPr/>
+        <a:lstStyle/>
+        <a:p>
+          <a:endParaRPr lang="fr-FR"/>
+        </a:p>
+      </dgm:t>
     </dgm:pt>
     <dgm:pt modelId="{B755A23B-3906-EE4A-ABD5-1D4F140B7AF2}" type="pres">
       <dgm:prSet presAssocID="{8693AEC3-7930-6340-A221-B9D4EA082C09}" presName="node" presStyleLbl="node1" presStyleIdx="0" presStyleCnt="4">
@@ -3172,10 +3290,24 @@
     <dgm:pt modelId="{A56A8159-37E6-7F43-83FB-E670E7470CE1}" type="pres">
       <dgm:prSet presAssocID="{CA379BDC-88A5-A54D-93D3-6BD2F6DA4150}" presName="Name9" presStyleLbl="parChTrans1D2" presStyleIdx="1" presStyleCnt="4"/>
       <dgm:spPr/>
+      <dgm:t>
+        <a:bodyPr/>
+        <a:lstStyle/>
+        <a:p>
+          <a:endParaRPr lang="fr-FR"/>
+        </a:p>
+      </dgm:t>
     </dgm:pt>
     <dgm:pt modelId="{85109E09-4E29-4447-B1C5-D13ECF6C8EA6}" type="pres">
       <dgm:prSet presAssocID="{CA379BDC-88A5-A54D-93D3-6BD2F6DA4150}" presName="connTx" presStyleLbl="parChTrans1D2" presStyleIdx="1" presStyleCnt="4"/>
       <dgm:spPr/>
+      <dgm:t>
+        <a:bodyPr/>
+        <a:lstStyle/>
+        <a:p>
+          <a:endParaRPr lang="fr-FR"/>
+        </a:p>
+      </dgm:t>
     </dgm:pt>
     <dgm:pt modelId="{9C44A59B-28AC-554A-ABE7-0D59E4932F16}" type="pres">
       <dgm:prSet presAssocID="{D1FECA47-A63C-4040-9D1F-D34D3C67A466}" presName="node" presStyleLbl="node1" presStyleIdx="1" presStyleCnt="4">
@@ -3184,14 +3316,35 @@
         </dgm:presLayoutVars>
       </dgm:prSet>
       <dgm:spPr/>
+      <dgm:t>
+        <a:bodyPr/>
+        <a:lstStyle/>
+        <a:p>
+          <a:endParaRPr lang="fr-FR"/>
+        </a:p>
+      </dgm:t>
     </dgm:pt>
     <dgm:pt modelId="{D740B11F-3BFD-9740-B6A2-BD38A6EC3A63}" type="pres">
       <dgm:prSet presAssocID="{1D7F1B5E-9231-F945-A786-68FFF5A574F7}" presName="Name9" presStyleLbl="parChTrans1D2" presStyleIdx="2" presStyleCnt="4"/>
       <dgm:spPr/>
+      <dgm:t>
+        <a:bodyPr/>
+        <a:lstStyle/>
+        <a:p>
+          <a:endParaRPr lang="fr-FR"/>
+        </a:p>
+      </dgm:t>
     </dgm:pt>
     <dgm:pt modelId="{7A802728-CBA0-3849-831D-58476EC3E1A2}" type="pres">
       <dgm:prSet presAssocID="{1D7F1B5E-9231-F945-A786-68FFF5A574F7}" presName="connTx" presStyleLbl="parChTrans1D2" presStyleIdx="2" presStyleCnt="4"/>
       <dgm:spPr/>
+      <dgm:t>
+        <a:bodyPr/>
+        <a:lstStyle/>
+        <a:p>
+          <a:endParaRPr lang="fr-FR"/>
+        </a:p>
+      </dgm:t>
     </dgm:pt>
     <dgm:pt modelId="{A0358EE9-9140-6149-A195-D7E4B9565BB9}" type="pres">
       <dgm:prSet presAssocID="{EF2E5B0A-0F38-0248-AF01-12E904F2BBCD}" presName="node" presStyleLbl="node1" presStyleIdx="2" presStyleCnt="4">
@@ -3200,14 +3353,35 @@
         </dgm:presLayoutVars>
       </dgm:prSet>
       <dgm:spPr/>
+      <dgm:t>
+        <a:bodyPr/>
+        <a:lstStyle/>
+        <a:p>
+          <a:endParaRPr lang="fr-FR"/>
+        </a:p>
+      </dgm:t>
     </dgm:pt>
     <dgm:pt modelId="{0E1FD702-FA1F-5942-9367-40712A2A05A6}" type="pres">
       <dgm:prSet presAssocID="{5EB978BD-72F4-4248-B6FF-3884491ED28E}" presName="Name9" presStyleLbl="parChTrans1D2" presStyleIdx="3" presStyleCnt="4"/>
       <dgm:spPr/>
+      <dgm:t>
+        <a:bodyPr/>
+        <a:lstStyle/>
+        <a:p>
+          <a:endParaRPr lang="fr-FR"/>
+        </a:p>
+      </dgm:t>
     </dgm:pt>
     <dgm:pt modelId="{843D2234-0E6A-9040-B82A-E0EA25781909}" type="pres">
       <dgm:prSet presAssocID="{5EB978BD-72F4-4248-B6FF-3884491ED28E}" presName="connTx" presStyleLbl="parChTrans1D2" presStyleIdx="3" presStyleCnt="4"/>
       <dgm:spPr/>
+      <dgm:t>
+        <a:bodyPr/>
+        <a:lstStyle/>
+        <a:p>
+          <a:endParaRPr lang="fr-FR"/>
+        </a:p>
+      </dgm:t>
     </dgm:pt>
     <dgm:pt modelId="{42248CA7-1E3A-8543-B7EC-C90BEC73152F}" type="pres">
       <dgm:prSet presAssocID="{CC75F6DB-6A6D-4940-A166-AF60F9F6428E}" presName="node" presStyleLbl="node1" presStyleIdx="3" presStyleCnt="4">
@@ -3506,18 +3680,46 @@
         </dgm:presLayoutVars>
       </dgm:prSet>
       <dgm:spPr/>
+      <dgm:t>
+        <a:bodyPr/>
+        <a:lstStyle/>
+        <a:p>
+          <a:endParaRPr lang="fr-FR"/>
+        </a:p>
+      </dgm:t>
     </dgm:pt>
     <dgm:pt modelId="{BEE935CA-87D5-B240-B9CB-446AB2A50D8A}" type="pres">
       <dgm:prSet presAssocID="{5C1310C4-B793-2B49-83DE-0F7F05A56702}" presName="centerShape" presStyleLbl="node0" presStyleIdx="0" presStyleCnt="1"/>
       <dgm:spPr/>
+      <dgm:t>
+        <a:bodyPr/>
+        <a:lstStyle/>
+        <a:p>
+          <a:endParaRPr lang="fr-FR"/>
+        </a:p>
+      </dgm:t>
     </dgm:pt>
     <dgm:pt modelId="{04A8224E-1C9E-4846-BA4C-FD4210F3533A}" type="pres">
       <dgm:prSet presAssocID="{B5D03180-2F1C-6F46-9C56-980C056C5C1E}" presName="Name9" presStyleLbl="parChTrans1D2" presStyleIdx="0" presStyleCnt="4"/>
       <dgm:spPr/>
+      <dgm:t>
+        <a:bodyPr/>
+        <a:lstStyle/>
+        <a:p>
+          <a:endParaRPr lang="fr-FR"/>
+        </a:p>
+      </dgm:t>
     </dgm:pt>
     <dgm:pt modelId="{0D29B017-F935-4943-B419-BE9151107713}" type="pres">
       <dgm:prSet presAssocID="{B5D03180-2F1C-6F46-9C56-980C056C5C1E}" presName="connTx" presStyleLbl="parChTrans1D2" presStyleIdx="0" presStyleCnt="4"/>
       <dgm:spPr/>
+      <dgm:t>
+        <a:bodyPr/>
+        <a:lstStyle/>
+        <a:p>
+          <a:endParaRPr lang="fr-FR"/>
+        </a:p>
+      </dgm:t>
     </dgm:pt>
     <dgm:pt modelId="{B755A23B-3906-EE4A-ABD5-1D4F140B7AF2}" type="pres">
       <dgm:prSet presAssocID="{8693AEC3-7930-6340-A221-B9D4EA082C09}" presName="node" presStyleLbl="node1" presStyleIdx="0" presStyleCnt="4">
@@ -3537,10 +3739,24 @@
     <dgm:pt modelId="{A56A8159-37E6-7F43-83FB-E670E7470CE1}" type="pres">
       <dgm:prSet presAssocID="{CA379BDC-88A5-A54D-93D3-6BD2F6DA4150}" presName="Name9" presStyleLbl="parChTrans1D2" presStyleIdx="1" presStyleCnt="4"/>
       <dgm:spPr/>
+      <dgm:t>
+        <a:bodyPr/>
+        <a:lstStyle/>
+        <a:p>
+          <a:endParaRPr lang="fr-FR"/>
+        </a:p>
+      </dgm:t>
     </dgm:pt>
     <dgm:pt modelId="{85109E09-4E29-4447-B1C5-D13ECF6C8EA6}" type="pres">
       <dgm:prSet presAssocID="{CA379BDC-88A5-A54D-93D3-6BD2F6DA4150}" presName="connTx" presStyleLbl="parChTrans1D2" presStyleIdx="1" presStyleCnt="4"/>
       <dgm:spPr/>
+      <dgm:t>
+        <a:bodyPr/>
+        <a:lstStyle/>
+        <a:p>
+          <a:endParaRPr lang="fr-FR"/>
+        </a:p>
+      </dgm:t>
     </dgm:pt>
     <dgm:pt modelId="{9C44A59B-28AC-554A-ABE7-0D59E4932F16}" type="pres">
       <dgm:prSet presAssocID="{D1FECA47-A63C-4040-9D1F-D34D3C67A466}" presName="node" presStyleLbl="node1" presStyleIdx="1" presStyleCnt="4">
@@ -3549,14 +3765,35 @@
         </dgm:presLayoutVars>
       </dgm:prSet>
       <dgm:spPr/>
+      <dgm:t>
+        <a:bodyPr/>
+        <a:lstStyle/>
+        <a:p>
+          <a:endParaRPr lang="fr-FR"/>
+        </a:p>
+      </dgm:t>
     </dgm:pt>
     <dgm:pt modelId="{D740B11F-3BFD-9740-B6A2-BD38A6EC3A63}" type="pres">
       <dgm:prSet presAssocID="{1D7F1B5E-9231-F945-A786-68FFF5A574F7}" presName="Name9" presStyleLbl="parChTrans1D2" presStyleIdx="2" presStyleCnt="4"/>
       <dgm:spPr/>
+      <dgm:t>
+        <a:bodyPr/>
+        <a:lstStyle/>
+        <a:p>
+          <a:endParaRPr lang="fr-FR"/>
+        </a:p>
+      </dgm:t>
     </dgm:pt>
     <dgm:pt modelId="{7A802728-CBA0-3849-831D-58476EC3E1A2}" type="pres">
       <dgm:prSet presAssocID="{1D7F1B5E-9231-F945-A786-68FFF5A574F7}" presName="connTx" presStyleLbl="parChTrans1D2" presStyleIdx="2" presStyleCnt="4"/>
       <dgm:spPr/>
+      <dgm:t>
+        <a:bodyPr/>
+        <a:lstStyle/>
+        <a:p>
+          <a:endParaRPr lang="fr-FR"/>
+        </a:p>
+      </dgm:t>
     </dgm:pt>
     <dgm:pt modelId="{A0358EE9-9140-6149-A195-D7E4B9565BB9}" type="pres">
       <dgm:prSet presAssocID="{EF2E5B0A-0F38-0248-AF01-12E904F2BBCD}" presName="node" presStyleLbl="node1" presStyleIdx="2" presStyleCnt="4">
@@ -3565,14 +3802,35 @@
         </dgm:presLayoutVars>
       </dgm:prSet>
       <dgm:spPr/>
+      <dgm:t>
+        <a:bodyPr/>
+        <a:lstStyle/>
+        <a:p>
+          <a:endParaRPr lang="fr-FR"/>
+        </a:p>
+      </dgm:t>
     </dgm:pt>
     <dgm:pt modelId="{0E1FD702-FA1F-5942-9367-40712A2A05A6}" type="pres">
       <dgm:prSet presAssocID="{5EB978BD-72F4-4248-B6FF-3884491ED28E}" presName="Name9" presStyleLbl="parChTrans1D2" presStyleIdx="3" presStyleCnt="4"/>
       <dgm:spPr/>
+      <dgm:t>
+        <a:bodyPr/>
+        <a:lstStyle/>
+        <a:p>
+          <a:endParaRPr lang="fr-FR"/>
+        </a:p>
+      </dgm:t>
     </dgm:pt>
     <dgm:pt modelId="{843D2234-0E6A-9040-B82A-E0EA25781909}" type="pres">
       <dgm:prSet presAssocID="{5EB978BD-72F4-4248-B6FF-3884491ED28E}" presName="connTx" presStyleLbl="parChTrans1D2" presStyleIdx="3" presStyleCnt="4"/>
       <dgm:spPr/>
+      <dgm:t>
+        <a:bodyPr/>
+        <a:lstStyle/>
+        <a:p>
+          <a:endParaRPr lang="fr-FR"/>
+        </a:p>
+      </dgm:t>
     </dgm:pt>
     <dgm:pt modelId="{42248CA7-1E3A-8543-B7EC-C90BEC73152F}" type="pres">
       <dgm:prSet presAssocID="{CC75F6DB-6A6D-4940-A166-AF60F9F6428E}" presName="node" presStyleLbl="node1" presStyleIdx="3" presStyleCnt="4">
@@ -10866,7 +11124,7 @@
             <a:fld id="{9334D819-9F07-4261-B09B-9E467E5D9002}" type="datetimeFigureOut">
               <a:rPr lang="en-US" dirty="0"/>
               <a:pPr/>
-              <a:t>6/8/20</a:t>
+              <a:t>6/19/20</a:t>
             </a:fld>
             <a:endParaRPr lang="en-US" dirty="0"/>
           </a:p>
@@ -11100,7 +11358,7 @@
           <a:p>
             <a:fld id="{9334D819-9F07-4261-B09B-9E467E5D9002}" type="datetimeFigureOut">
               <a:rPr lang="en-US" dirty="0"/>
-              <a:t>6/8/20</a:t>
+              <a:t>6/19/20</a:t>
             </a:fld>
             <a:endParaRPr lang="en-US" dirty="0"/>
           </a:p>
@@ -11275,7 +11533,7 @@
           <a:p>
             <a:fld id="{9334D819-9F07-4261-B09B-9E467E5D9002}" type="datetimeFigureOut">
               <a:rPr lang="en-US" dirty="0"/>
-              <a:t>6/8/20</a:t>
+              <a:t>6/19/20</a:t>
             </a:fld>
             <a:endParaRPr lang="en-US" dirty="0"/>
           </a:p>
@@ -11440,7 +11698,7 @@
           <a:p>
             <a:fld id="{9334D819-9F07-4261-B09B-9E467E5D9002}" type="datetimeFigureOut">
               <a:rPr lang="en-US" dirty="0"/>
-              <a:t>6/8/20</a:t>
+              <a:t>6/19/20</a:t>
             </a:fld>
             <a:endParaRPr lang="en-US" dirty="0"/>
           </a:p>
@@ -11712,7 +11970,7 @@
             <a:fld id="{9334D819-9F07-4261-B09B-9E467E5D9002}" type="datetimeFigureOut">
               <a:rPr lang="en-US" dirty="0"/>
               <a:pPr/>
-              <a:t>6/8/20</a:t>
+              <a:t>6/19/20</a:t>
             </a:fld>
             <a:endParaRPr lang="en-US" dirty="0"/>
           </a:p>
@@ -12909,7 +13167,7 @@
           <a:p>
             <a:fld id="{9334D819-9F07-4261-B09B-9E467E5D9002}" type="datetimeFigureOut">
               <a:rPr lang="en-US" dirty="0"/>
-              <a:t>6/8/20</a:t>
+              <a:t>6/19/20</a:t>
             </a:fld>
             <a:endParaRPr lang="en-US" dirty="0"/>
           </a:p>
@@ -13294,7 +13552,7 @@
           <a:p>
             <a:fld id="{9334D819-9F07-4261-B09B-9E467E5D9002}" type="datetimeFigureOut">
               <a:rPr lang="en-US" dirty="0"/>
-              <a:t>6/8/20</a:t>
+              <a:t>6/19/20</a:t>
             </a:fld>
             <a:endParaRPr lang="en-US" dirty="0"/>
           </a:p>
@@ -13412,7 +13670,7 @@
           <a:p>
             <a:fld id="{9334D819-9F07-4261-B09B-9E467E5D9002}" type="datetimeFigureOut">
               <a:rPr lang="en-US" dirty="0"/>
-              <a:t>6/8/20</a:t>
+              <a:t>6/19/20</a:t>
             </a:fld>
             <a:endParaRPr lang="en-US" dirty="0"/>
           </a:p>
@@ -13502,7 +13760,7 @@
           <a:p>
             <a:fld id="{9334D819-9F07-4261-B09B-9E467E5D9002}" type="datetimeFigureOut">
               <a:rPr lang="en-US" dirty="0"/>
-              <a:t>6/8/20</a:t>
+              <a:t>6/19/20</a:t>
             </a:fld>
             <a:endParaRPr lang="en-US" dirty="0"/>
           </a:p>
@@ -14260,7 +14518,7 @@
           <a:p>
             <a:fld id="{9334D819-9F07-4261-B09B-9E467E5D9002}" type="datetimeFigureOut">
               <a:rPr lang="en-US" dirty="0"/>
-              <a:t>6/8/20</a:t>
+              <a:t>6/19/20</a:t>
             </a:fld>
             <a:endParaRPr lang="en-US" dirty="0"/>
           </a:p>
@@ -15095,7 +15353,7 @@
           <a:p>
             <a:fld id="{9334D819-9F07-4261-B09B-9E467E5D9002}" type="datetimeFigureOut">
               <a:rPr lang="en-US" dirty="0"/>
-              <a:t>6/8/20</a:t>
+              <a:t>6/19/20</a:t>
             </a:fld>
             <a:endParaRPr lang="en-US" dirty="0"/>
           </a:p>
@@ -15318,7 +15576,7 @@
             <a:fld id="{9334D819-9F07-4261-B09B-9E467E5D9002}" type="datetimeFigureOut">
               <a:rPr lang="en-US" dirty="0"/>
               <a:pPr/>
-              <a:t>6/8/20</a:t>
+              <a:t>6/19/20</a:t>
             </a:fld>
             <a:endParaRPr lang="en-US" dirty="0"/>
           </a:p>
@@ -16330,13 +16588,12 @@
           <a:p>
             <a:r>
               <a:rPr lang="fr-FR" dirty="0" err="1" smtClean="0"/>
-              <a:t>c,R,O</a:t>
+              <a:t>c.R.O</a:t>
             </a:r>
             <a:r>
-              <a:rPr lang="fr-FR" dirty="0" smtClean="0"/>
-              <a:t>,</a:t>
+              <a:rPr lang="fr-FR" dirty="0"/>
+              <a:t>.</a:t>
             </a:r>
-            <a:endParaRPr lang="fr-FR" dirty="0"/>
           </a:p>
         </p:txBody>
       </p:sp>
@@ -16983,12 +17240,12 @@
               <a:rPr lang="fr-FR" dirty="0" smtClean="0"/>
             </a:br>
             <a:r>
-              <a:rPr lang="fr-FR" sz="2800" dirty="0" err="1" smtClean="0"/>
-              <a:t>Modelisation</a:t>
+              <a:rPr lang="fr-FR" sz="2800" dirty="0" smtClean="0"/>
+              <a:t>Modélisation </a:t>
             </a:r>
             <a:r>
               <a:rPr lang="fr-FR" sz="2800" dirty="0" smtClean="0"/>
-              <a:t> linéaire par équipe</a:t>
+              <a:t>linéaire par équipe</a:t>
             </a:r>
             <a:endParaRPr lang="fr-FR" dirty="0"/>
           </a:p>
@@ -17037,8 +17294,8 @@
           </a:extLst>
         </p:spPr>
       </p:pic>
-      <mc:AlternateContent xmlns:mc="http://schemas.openxmlformats.org/markup-compatibility/2006">
-        <mc:Choice xmlns:a14="http://schemas.microsoft.com/office/drawing/2010/main" Requires="a14">
+      <mc:AlternateContent xmlns:mc="http://schemas.openxmlformats.org/markup-compatibility/2006" xmlns:a14="http://schemas.microsoft.com/office/drawing/2010/main">
+        <mc:Choice Requires="a14">
           <p:sp>
             <p:nvSpPr>
               <p:cNvPr id="7" name="ZoneTexte 6"/>
@@ -17061,6 +17318,7 @@
               </a:bodyPr>
               <a:lstStyle/>
               <a:p>
+                <a:pPr/>
                 <a14:m>
                   <m:oMathPara xmlns:m="http://schemas.openxmlformats.org/officeDocument/2006/math">
                     <m:oMathParaPr>
@@ -17101,7 +17359,15 @@
                               <a:ea typeface="Cambria Math" charset="0"/>
                               <a:cs typeface="Cambria Math" charset="0"/>
                             </a:rPr>
-                            <m:t>𝑐𝑎𝑟𝑡𝑒𝑠</m:t>
+                            <m:t>𝑐</m:t>
+                          </m:r>
+                          <m:r>
+                            <a:rPr lang="fr-FR" sz="3200" b="0" i="1" smtClean="0">
+                              <a:latin typeface="Cambria Math" charset="0"/>
+                              <a:ea typeface="Cambria Math" charset="0"/>
+                              <a:cs typeface="Cambria Math" charset="0"/>
+                            </a:rPr>
+                            <m:t>𝑎𝑟𝑡𝑒𝑠</m:t>
                           </m:r>
                         </m:sub>
                         <m:sup/>
@@ -17186,7 +17452,7 @@
             </p:txBody>
           </p:sp>
         </mc:Choice>
-        <mc:Fallback>
+        <mc:Fallback xmlns="">
           <p:sp>
             <p:nvSpPr>
               <p:cNvPr id="7" name="ZoneTexte 6"/>
@@ -17312,8 +17578,8 @@
           </a:p>
         </p:txBody>
       </p:sp>
-      <mc:AlternateContent xmlns:mc="http://schemas.openxmlformats.org/markup-compatibility/2006">
-        <mc:Choice xmlns:a14="http://schemas.microsoft.com/office/drawing/2010/main" Requires="a14">
+      <mc:AlternateContent xmlns:mc="http://schemas.openxmlformats.org/markup-compatibility/2006" xmlns:a14="http://schemas.microsoft.com/office/drawing/2010/main">
+        <mc:Choice Requires="a14">
           <p:sp>
             <p:nvSpPr>
               <p:cNvPr id="13" name="ZoneTexte 12"/>
@@ -17336,6 +17602,7 @@
               </a:bodyPr>
               <a:lstStyle/>
               <a:p>
+                <a:pPr/>
                 <a14:m>
                   <m:oMathPara xmlns:m="http://schemas.openxmlformats.org/officeDocument/2006/math">
                     <m:oMathParaPr>
@@ -17608,7 +17875,7 @@
             </p:txBody>
           </p:sp>
         </mc:Choice>
-        <mc:Fallback>
+        <mc:Fallback xmlns="">
           <p:sp>
             <p:nvSpPr>
               <p:cNvPr id="13" name="ZoneTexte 12"/>
@@ -21112,8 +21379,8 @@
           </a:fontRef>
         </p:style>
       </p:cxnSp>
-      <mc:AlternateContent xmlns:mc="http://schemas.openxmlformats.org/markup-compatibility/2006">
-        <mc:Choice xmlns:a14="http://schemas.microsoft.com/office/drawing/2010/main" Requires="a14">
+      <mc:AlternateContent xmlns:mc="http://schemas.openxmlformats.org/markup-compatibility/2006" xmlns:a14="http://schemas.microsoft.com/office/drawing/2010/main">
+        <mc:Choice Requires="a14">
           <p:sp>
             <p:nvSpPr>
               <p:cNvPr id="18" name="ZoneTexte 17"/>
@@ -21136,6 +21403,7 @@
               </a:bodyPr>
               <a:lstStyle/>
               <a:p>
+                <a:pPr/>
                 <a14:m>
                   <m:oMathPara xmlns:m="http://schemas.openxmlformats.org/officeDocument/2006/math">
                     <m:oMathParaPr>
@@ -21181,7 +21449,7 @@
             </p:txBody>
           </p:sp>
         </mc:Choice>
-        <mc:Fallback>
+        <mc:Fallback xmlns="">
           <p:sp>
             <p:nvSpPr>
               <p:cNvPr id="18" name="ZoneTexte 17"/>
@@ -22375,11 +22643,80 @@
             <p:ph idx="1"/>
           </p:nvPr>
         </p:nvSpPr>
-        <p:spPr/>
+        <p:spPr>
+          <a:xfrm>
+            <a:off x="1251678" y="1625601"/>
+            <a:ext cx="10178322" cy="4660899"/>
+          </a:xfrm>
+        </p:spPr>
         <p:txBody>
-          <a:bodyPr/>
+          <a:bodyPr>
+            <a:normAutofit lnSpcReduction="10000"/>
+          </a:bodyPr>
           <a:lstStyle/>
           <a:p>
+            <a:r>
+              <a:rPr lang="fr-FR" sz="2400" dirty="0" smtClean="0"/>
+              <a:t>Une </a:t>
+            </a:r>
+            <a:r>
+              <a:rPr lang="fr-FR" sz="2400" dirty="0" smtClean="0"/>
+              <a:t>observation est un ensemble d’information fourni par l’environnement à un joueur à un moment du jeu</a:t>
+            </a:r>
+          </a:p>
+          <a:p>
+            <a:endParaRPr lang="fr-FR" sz="2400" dirty="0"/>
+          </a:p>
+          <a:p>
+            <a:r>
+              <a:rPr lang="fr-FR" sz="2400" dirty="0" smtClean="0"/>
+              <a:t>Nous avons fait le choix de donner comme information:</a:t>
+            </a:r>
+          </a:p>
+          <a:p>
+            <a:pPr lvl="1"/>
+            <a:r>
+              <a:rPr lang="fr-FR" sz="2000" dirty="0" smtClean="0"/>
+              <a:t>Le jeu du joueur (Atout et non-atout)</a:t>
+            </a:r>
+          </a:p>
+          <a:p>
+            <a:pPr lvl="1"/>
+            <a:r>
+              <a:rPr lang="fr-FR" sz="2000" dirty="0" smtClean="0"/>
+              <a:t>Le pli en cours</a:t>
+            </a:r>
+          </a:p>
+          <a:p>
+            <a:pPr lvl="1"/>
+            <a:r>
+              <a:rPr lang="fr-FR" sz="2000" dirty="0" smtClean="0"/>
+              <a:t>L’ensemble des cartes ayant déjà été jouées</a:t>
+            </a:r>
+          </a:p>
+          <a:p>
+            <a:pPr lvl="1"/>
+            <a:r>
+              <a:rPr lang="fr-FR" sz="2000" dirty="0" smtClean="0"/>
+              <a:t>La valeur du contrat</a:t>
+            </a:r>
+          </a:p>
+          <a:p>
+            <a:pPr lvl="1"/>
+            <a:endParaRPr lang="fr-FR" sz="2000" dirty="0"/>
+          </a:p>
+          <a:p>
+            <a:r>
+              <a:rPr lang="fr-FR" sz="2400" dirty="0" smtClean="0"/>
+              <a:t>L’espace d’observation est l’ensemble de toutes les observations possibles</a:t>
+            </a:r>
+          </a:p>
+          <a:p>
+            <a:pPr lvl="1"/>
+            <a:r>
+              <a:rPr lang="fr-FR" sz="2000" dirty="0" smtClean="0"/>
+              <a:t>Estimation de la cardinalité de l’espace: </a:t>
+            </a:r>
             <a:endParaRPr lang="fr-FR" dirty="0"/>
           </a:p>
         </p:txBody>
@@ -22427,10 +22764,439 @@
           </a:extLst>
         </p:spPr>
       </p:pic>
+      <mc:AlternateContent xmlns:mc="http://schemas.openxmlformats.org/markup-compatibility/2006">
+        <mc:Choice xmlns:a14="http://schemas.microsoft.com/office/drawing/2010/main" Requires="a14">
+          <p:sp>
+            <p:nvSpPr>
+              <p:cNvPr id="6" name="ZoneTexte 5"/>
+              <p:cNvSpPr txBox="1"/>
+              <p:nvPr/>
+            </p:nvSpPr>
+            <p:spPr>
+              <a:xfrm>
+                <a:off x="6184900" y="5829300"/>
+                <a:ext cx="6591300" cy="315407"/>
+              </a:xfrm>
+              <a:prstGeom prst="rect">
+                <a:avLst/>
+              </a:prstGeom>
+              <a:noFill/>
+            </p:spPr>
+            <p:txBody>
+              <a:bodyPr wrap="square" lIns="0" tIns="0" rIns="0" bIns="0" rtlCol="0">
+                <a:spAutoFit/>
+              </a:bodyPr>
+              <a:lstStyle/>
+              <a:p>
+                <a14:m>
+                  <m:oMath xmlns:m="http://schemas.openxmlformats.org/officeDocument/2006/math">
+                    <m:nary>
+                      <m:naryPr>
+                        <m:chr m:val="∏"/>
+                        <m:ctrlPr>
+                          <a:rPr lang="is-IS" sz="2000" i="1" smtClean="0">
+                            <a:latin typeface="Cambria Math" charset="0"/>
+                          </a:rPr>
+                        </m:ctrlPr>
+                      </m:naryPr>
+                      <m:sub>
+                        <m:r>
+                          <m:rPr>
+                            <m:brk m:alnAt="23"/>
+                          </m:rPr>
+                          <a:rPr lang="fr-FR" sz="2000" b="0" i="1" smtClean="0">
+                            <a:latin typeface="Cambria Math" charset="0"/>
+                          </a:rPr>
+                          <m:t>𝑛</m:t>
+                        </m:r>
+                        <m:r>
+                          <a:rPr lang="fr-FR" sz="2000" b="0" i="1" smtClean="0">
+                            <a:latin typeface="Cambria Math" charset="0"/>
+                          </a:rPr>
+                          <m:t>=1</m:t>
+                        </m:r>
+                      </m:sub>
+                      <m:sup>
+                        <m:r>
+                          <a:rPr lang="fr-FR" sz="2000" b="0" i="1" smtClean="0">
+                            <a:latin typeface="Cambria Math" charset="0"/>
+                          </a:rPr>
+                          <m:t>8</m:t>
+                        </m:r>
+                      </m:sup>
+                      <m:e>
+                        <m:sSubSup>
+                          <m:sSubSupPr>
+                            <m:ctrlPr>
+                              <a:rPr lang="en-US" sz="2000" i="1" smtClean="0">
+                                <a:latin typeface="Cambria Math" charset="0"/>
+                              </a:rPr>
+                            </m:ctrlPr>
+                          </m:sSubSupPr>
+                          <m:e>
+                            <m:r>
+                              <a:rPr lang="fr-FR" sz="2000" b="0" i="1" smtClean="0">
+                                <a:latin typeface="Cambria Math" charset="0"/>
+                              </a:rPr>
+                              <m:t>𝐶</m:t>
+                            </m:r>
+                          </m:e>
+                          <m:sub>
+                            <m:r>
+                              <a:rPr lang="fr-FR" sz="2000" b="0" i="1" smtClean="0">
+                                <a:latin typeface="Cambria Math" charset="0"/>
+                              </a:rPr>
+                              <m:t>𝑛</m:t>
+                            </m:r>
+                          </m:sub>
+                          <m:sup>
+                            <m:r>
+                              <a:rPr lang="fr-FR" sz="2000" b="0" i="1" smtClean="0">
+                                <a:latin typeface="Cambria Math" charset="0"/>
+                              </a:rPr>
+                              <m:t>32</m:t>
+                            </m:r>
+                          </m:sup>
+                        </m:sSubSup>
+                      </m:e>
+                    </m:nary>
+                  </m:oMath>
+                </a14:m>
+                <a:r>
+                  <a:rPr lang="fr-FR" sz="2000" dirty="0" smtClean="0"/>
+                  <a:t> * </a:t>
+                </a:r>
+                <a14:m>
+                  <m:oMath xmlns:m="http://schemas.openxmlformats.org/officeDocument/2006/math">
+                    <m:nary>
+                      <m:naryPr>
+                        <m:chr m:val="∏"/>
+                        <m:ctrlPr>
+                          <a:rPr lang="is-IS" sz="2000" i="1" smtClean="0">
+                            <a:latin typeface="Cambria Math" charset="0"/>
+                          </a:rPr>
+                        </m:ctrlPr>
+                      </m:naryPr>
+                      <m:sub>
+                        <m:r>
+                          <m:rPr>
+                            <m:brk m:alnAt="23"/>
+                          </m:rPr>
+                          <a:rPr lang="fr-FR" sz="2000" i="1">
+                            <a:latin typeface="Cambria Math" charset="0"/>
+                          </a:rPr>
+                          <m:t>𝑛</m:t>
+                        </m:r>
+                        <m:r>
+                          <a:rPr lang="fr-FR" sz="2000" i="1">
+                            <a:latin typeface="Cambria Math" charset="0"/>
+                          </a:rPr>
+                          <m:t>=</m:t>
+                        </m:r>
+                        <m:r>
+                          <a:rPr lang="fr-FR" sz="2000" b="0" i="1" smtClean="0">
+                            <a:latin typeface="Cambria Math" charset="0"/>
+                          </a:rPr>
+                          <m:t>0</m:t>
+                        </m:r>
+                      </m:sub>
+                      <m:sup>
+                        <m:r>
+                          <a:rPr lang="fr-FR" sz="2000" b="0" i="1" smtClean="0">
+                            <a:latin typeface="Cambria Math" charset="0"/>
+                          </a:rPr>
+                          <m:t>3</m:t>
+                        </m:r>
+                      </m:sup>
+                      <m:e>
+                        <m:sSubSup>
+                          <m:sSubSupPr>
+                            <m:ctrlPr>
+                              <a:rPr lang="en-US" sz="2000" i="1">
+                                <a:latin typeface="Cambria Math" charset="0"/>
+                              </a:rPr>
+                            </m:ctrlPr>
+                          </m:sSubSupPr>
+                          <m:e>
+                            <m:r>
+                              <a:rPr lang="fr-FR" sz="2000" i="1">
+                                <a:latin typeface="Cambria Math" charset="0"/>
+                              </a:rPr>
+                              <m:t>𝐶</m:t>
+                            </m:r>
+                          </m:e>
+                          <m:sub>
+                            <m:r>
+                              <a:rPr lang="fr-FR" sz="2000" i="1">
+                                <a:latin typeface="Cambria Math" charset="0"/>
+                              </a:rPr>
+                              <m:t>𝑛</m:t>
+                            </m:r>
+                          </m:sub>
+                          <m:sup>
+                            <m:r>
+                              <a:rPr lang="fr-FR" sz="2000" i="1">
+                                <a:latin typeface="Cambria Math" charset="0"/>
+                              </a:rPr>
+                              <m:t>32</m:t>
+                            </m:r>
+                          </m:sup>
+                        </m:sSubSup>
+                        <m:r>
+                          <a:rPr lang="fr-FR" sz="2000" b="0" i="1" smtClean="0">
+                            <a:latin typeface="Cambria Math" charset="0"/>
+                          </a:rPr>
+                          <m:t>∗</m:t>
+                        </m:r>
+                        <m:nary>
+                          <m:naryPr>
+                            <m:chr m:val="∏"/>
+                            <m:ctrlPr>
+                              <a:rPr lang="is-IS" sz="2000" i="1" smtClean="0">
+                                <a:latin typeface="Cambria Math" charset="0"/>
+                              </a:rPr>
+                            </m:ctrlPr>
+                          </m:naryPr>
+                          <m:sub>
+                            <m:r>
+                              <m:rPr>
+                                <m:brk m:alnAt="23"/>
+                              </m:rPr>
+                              <a:rPr lang="fr-FR" sz="2000" i="1">
+                                <a:latin typeface="Cambria Math" charset="0"/>
+                              </a:rPr>
+                              <m:t>𝑛</m:t>
+                            </m:r>
+                            <m:r>
+                              <a:rPr lang="fr-FR" sz="2000" i="1">
+                                <a:latin typeface="Cambria Math" charset="0"/>
+                              </a:rPr>
+                              <m:t>=</m:t>
+                            </m:r>
+                            <m:r>
+                              <a:rPr lang="fr-FR" sz="2000" b="0" i="1" smtClean="0">
+                                <a:latin typeface="Cambria Math" charset="0"/>
+                              </a:rPr>
+                              <m:t>0</m:t>
+                            </m:r>
+                          </m:sub>
+                          <m:sup>
+                            <m:r>
+                              <a:rPr lang="fr-FR" sz="2000" b="0" i="1" smtClean="0">
+                                <a:latin typeface="Cambria Math" charset="0"/>
+                              </a:rPr>
+                              <m:t>31</m:t>
+                            </m:r>
+                          </m:sup>
+                          <m:e>
+                            <m:sSubSup>
+                              <m:sSubSupPr>
+                                <m:ctrlPr>
+                                  <a:rPr lang="en-US" sz="2000" i="1">
+                                    <a:latin typeface="Cambria Math" charset="0"/>
+                                  </a:rPr>
+                                </m:ctrlPr>
+                              </m:sSubSupPr>
+                              <m:e>
+                                <m:r>
+                                  <a:rPr lang="fr-FR" sz="2000" i="1">
+                                    <a:latin typeface="Cambria Math" charset="0"/>
+                                  </a:rPr>
+                                  <m:t>𝐶</m:t>
+                                </m:r>
+                              </m:e>
+                              <m:sub>
+                                <m:r>
+                                  <a:rPr lang="fr-FR" sz="2000" i="1">
+                                    <a:latin typeface="Cambria Math" charset="0"/>
+                                  </a:rPr>
+                                  <m:t>𝑛</m:t>
+                                </m:r>
+                              </m:sub>
+                              <m:sup>
+                                <m:r>
+                                  <a:rPr lang="fr-FR" sz="2000" i="1">
+                                    <a:latin typeface="Cambria Math" charset="0"/>
+                                  </a:rPr>
+                                  <m:t>32</m:t>
+                                </m:r>
+                              </m:sup>
+                            </m:sSubSup>
+                            <m:r>
+                              <a:rPr lang="fr-FR" sz="2000" b="0" i="1" smtClean="0">
+                                <a:latin typeface="Cambria Math" charset="0"/>
+                              </a:rPr>
+                              <m:t>∗9  </m:t>
+                            </m:r>
+                            <m:r>
+                              <a:rPr lang="en-US" sz="2000" b="0" i="1" smtClean="0">
+                                <a:latin typeface="Cambria Math" charset="0"/>
+                                <a:ea typeface="Cambria Math" charset="0"/>
+                                <a:cs typeface="Cambria Math" charset="0"/>
+                              </a:rPr>
+                              <m:t>~</m:t>
+                            </m:r>
+                            <m:r>
+                              <a:rPr lang="fr-FR" sz="2000" b="0" i="1" smtClean="0">
+                                <a:latin typeface="Cambria Math" charset="0"/>
+                                <a:ea typeface="Cambria Math" charset="0"/>
+                                <a:cs typeface="Cambria Math" charset="0"/>
+                              </a:rPr>
+                              <m:t>  4</m:t>
+                            </m:r>
+                            <m:r>
+                              <a:rPr lang="is-IS" sz="2000" i="1">
+                                <a:latin typeface="Cambria Math" charset="0"/>
+                                <a:ea typeface="Cambria Math" charset="0"/>
+                                <a:cs typeface="Cambria Math" charset="0"/>
+                              </a:rPr>
+                              <m:t>𝑒</m:t>
+                            </m:r>
+                            <m:r>
+                              <a:rPr lang="is-IS" sz="2000" i="1">
+                                <a:latin typeface="Cambria Math" charset="0"/>
+                                <a:ea typeface="Cambria Math" charset="0"/>
+                                <a:cs typeface="Cambria Math" charset="0"/>
+                              </a:rPr>
+                              <m:t>+239</m:t>
+                            </m:r>
+                          </m:e>
+                        </m:nary>
+                      </m:e>
+                    </m:nary>
+                  </m:oMath>
+                </a14:m>
+                <a:r>
+                  <a:rPr lang="fr-FR" sz="2000" dirty="0"/>
+                  <a:t> </a:t>
+                </a:r>
+                <a:r>
+                  <a:rPr lang="fr-FR" sz="2000" dirty="0" smtClean="0"/>
+                  <a:t> </a:t>
+                </a:r>
+                <a:endParaRPr lang="fr-FR" sz="2000" dirty="0"/>
+              </a:p>
+            </p:txBody>
+          </p:sp>
+        </mc:Choice>
+        <mc:Fallback>
+          <p:sp>
+            <p:nvSpPr>
+              <p:cNvPr id="6" name="ZoneTexte 5"/>
+              <p:cNvSpPr txBox="1">
+                <a:spLocks noRot="1" noChangeAspect="1" noMove="1" noResize="1" noEditPoints="1" noAdjustHandles="1" noChangeArrowheads="1" noChangeShapeType="1" noTextEdit="1"/>
+              </p:cNvSpPr>
+              <p:nvPr/>
+            </p:nvSpPr>
+            <p:spPr>
+              <a:xfrm>
+                <a:off x="6184900" y="5829300"/>
+                <a:ext cx="6591300" cy="315407"/>
+              </a:xfrm>
+              <a:prstGeom prst="rect">
+                <a:avLst/>
+              </a:prstGeom>
+              <a:blipFill rotWithShape="0">
+                <a:blip r:embed="rId4"/>
+                <a:stretch>
+                  <a:fillRect l="-7123" t="-165385" b="-248077"/>
+                </a:stretch>
+              </a:blipFill>
+            </p:spPr>
+            <p:txBody>
+              <a:bodyPr/>
+              <a:lstStyle/>
+              <a:p>
+                <a:r>
+                  <a:rPr lang="fr-FR">
+                    <a:noFill/>
+                  </a:rPr>
+                  <a:t> </a:t>
+                </a:r>
+              </a:p>
+            </p:txBody>
+          </p:sp>
+        </mc:Fallback>
+      </mc:AlternateContent>
     </p:spTree>
     <p:extLst>
       <p:ext uri="{BB962C8B-B14F-4D97-AF65-F5344CB8AC3E}">
         <p14:creationId xmlns:p14="http://schemas.microsoft.com/office/powerpoint/2010/main" val="1912834476"/>
+      </p:ext>
+    </p:extLst>
+  </p:cSld>
+  <p:clrMapOvr>
+    <a:masterClrMapping/>
+  </p:clrMapOvr>
+  <p:timing>
+    <p:tnLst>
+      <p:par>
+        <p:cTn id="1" dur="indefinite" restart="never" nodeType="tmRoot"/>
+      </p:par>
+    </p:tnLst>
+  </p:timing>
+</p:sld>
+</file>
+
+<file path=ppt/slides/slide17.xml><?xml version="1.0" encoding="utf-8"?>
+<p:sld xmlns:a="http://schemas.openxmlformats.org/drawingml/2006/main" xmlns:r="http://schemas.openxmlformats.org/officeDocument/2006/relationships" xmlns:p="http://schemas.openxmlformats.org/presentationml/2006/main">
+  <p:cSld>
+    <p:spTree>
+      <p:nvGrpSpPr>
+        <p:cNvPr id="1" name=""/>
+        <p:cNvGrpSpPr/>
+        <p:nvPr/>
+      </p:nvGrpSpPr>
+      <p:grpSpPr>
+        <a:xfrm>
+          <a:off x="0" y="0"/>
+          <a:ext cx="0" cy="0"/>
+          <a:chOff x="0" y="0"/>
+          <a:chExt cx="0" cy="0"/>
+        </a:xfrm>
+      </p:grpSpPr>
+      <p:sp>
+        <p:nvSpPr>
+          <p:cNvPr id="2" name="Titre 1"/>
+          <p:cNvSpPr>
+            <a:spLocks noGrp="1"/>
+          </p:cNvSpPr>
+          <p:nvPr>
+            <p:ph type="title"/>
+          </p:nvPr>
+        </p:nvSpPr>
+        <p:spPr/>
+        <p:txBody>
+          <a:bodyPr/>
+          <a:lstStyle/>
+          <a:p>
+            <a:endParaRPr lang="fr-FR"/>
+          </a:p>
+        </p:txBody>
+      </p:sp>
+      <p:sp>
+        <p:nvSpPr>
+          <p:cNvPr id="3" name="Espace réservé du contenu 2"/>
+          <p:cNvSpPr>
+            <a:spLocks noGrp="1"/>
+          </p:cNvSpPr>
+          <p:nvPr>
+            <p:ph idx="1"/>
+          </p:nvPr>
+        </p:nvSpPr>
+        <p:spPr/>
+        <p:txBody>
+          <a:bodyPr/>
+          <a:lstStyle/>
+          <a:p>
+            <a:endParaRPr lang="fr-FR"/>
+          </a:p>
+        </p:txBody>
+      </p:sp>
+    </p:spTree>
+    <p:extLst>
+      <p:ext uri="{BB962C8B-B14F-4D97-AF65-F5344CB8AC3E}">
+        <p14:creationId xmlns:p14="http://schemas.microsoft.com/office/powerpoint/2010/main" val="1015554798"/>
       </p:ext>
     </p:extLst>
   </p:cSld>
@@ -22611,7 +23377,11 @@
           <a:p>
             <a:r>
               <a:rPr lang="fr-FR" dirty="0" smtClean="0"/>
-              <a:t>Objectif du projet</a:t>
+              <a:t>Objectifs </a:t>
+            </a:r>
+            <a:r>
+              <a:rPr lang="fr-FR" dirty="0" smtClean="0"/>
+              <a:t>du projet</a:t>
             </a:r>
             <a:endParaRPr lang="fr-FR" dirty="0"/>
           </a:p>
@@ -23037,21 +23807,30 @@
             <a:pPr lvl="2"/>
             <a:r>
               <a:rPr lang="fr-FR" sz="2000" dirty="0" smtClean="0"/>
-              <a:t>De son jeu</a:t>
+              <a:t>De son </a:t>
             </a:r>
+            <a:r>
+              <a:rPr lang="fr-FR" sz="2000" dirty="0" smtClean="0"/>
+              <a:t>jeu</a:t>
+            </a:r>
+          </a:p>
+          <a:p>
+            <a:pPr lvl="2"/>
+            <a:r>
+              <a:rPr lang="fr-FR" sz="2000" dirty="0"/>
+              <a:t>De la compréhension des annonces du </a:t>
+            </a:r>
+            <a:r>
+              <a:rPr lang="fr-FR" sz="2000" dirty="0" smtClean="0"/>
+              <a:t>partenaire/adversaires</a:t>
+            </a:r>
+            <a:endParaRPr lang="fr-FR" sz="2000" dirty="0" smtClean="0"/>
           </a:p>
           <a:p>
             <a:pPr lvl="2"/>
             <a:r>
               <a:rPr lang="fr-FR" sz="2000" dirty="0" smtClean="0"/>
               <a:t>De l’anticipation des plis</a:t>
-            </a:r>
-          </a:p>
-          <a:p>
-            <a:pPr lvl="2"/>
-            <a:r>
-              <a:rPr lang="fr-FR" sz="2000" dirty="0" smtClean="0"/>
-              <a:t>De la compréhension des annonces du partenaire/adversaires</a:t>
             </a:r>
           </a:p>
           <a:p>
@@ -23914,7 +24693,12 @@
             <p:ph idx="1"/>
           </p:nvPr>
         </p:nvSpPr>
-        <p:spPr/>
+        <p:spPr>
+          <a:xfrm>
+            <a:off x="1251678" y="1714501"/>
+            <a:ext cx="10178322" cy="3593591"/>
+          </a:xfrm>
+        </p:spPr>
         <p:txBody>
           <a:bodyPr>
             <a:normAutofit/>
